--- a/Group 2 Presentation.pptx
+++ b/Group 2 Presentation.pptx
@@ -26,8 +26,8 @@
     <p:sldId id="269" r:id="rId17"/>
     <p:sldId id="270" r:id="rId18"/>
     <p:sldId id="275" r:id="rId19"/>
-    <p:sldId id="276" r:id="rId20"/>
-    <p:sldId id="277" r:id="rId21"/>
+    <p:sldId id="277" r:id="rId20"/>
+    <p:sldId id="276" r:id="rId21"/>
     <p:sldId id="271" r:id="rId22"/>
   </p:sldIdLst>
   <p:sldSz cx="12192000" cy="6858000"/>
@@ -127,6 +127,11 @@
       </a:defRPr>
     </a:lvl9pPr>
   </p:defaultTextStyle>
+  <p:extLst>
+    <p:ext uri="{EFAFB233-063F-42B5-8137-9DF3F51BA10A}">
+      <p15:sldGuideLst xmlns:p15="http://schemas.microsoft.com/office/powerpoint/2012/main"/>
+    </p:ext>
+  </p:extLst>
 </p:presentation>
 </file>
 
@@ -4107,7 +4112,7 @@
           <a:p>
             <a:fld id="{9D5D9BA3-D120-45FD-B2BF-CFBE404B30CF}" type="datetimeFigureOut">
               <a:rPr lang="en-US" smtClean="0"/>
-              <a:t>12/6/2023</a:t>
+              <a:t>12/7/2023</a:t>
             </a:fld>
             <a:endParaRPr lang="en-US"/>
           </a:p>
@@ -4614,7 +4619,7 @@
           <a:p>
             <a:fld id="{79C5A860-F335-4252-AA00-24FB67ED2982}" type="datetime1">
               <a:rPr lang="en-US" smtClean="0"/>
-              <a:t>12/6/2023</a:t>
+              <a:t>12/7/2023</a:t>
             </a:fld>
             <a:endParaRPr lang="en-US"/>
           </a:p>
@@ -4813,7 +4818,7 @@
           <a:p>
             <a:fld id="{46AB1048-0047-48CA-88BA-D69B470942CF}" type="datetime1">
               <a:rPr lang="en-US" smtClean="0"/>
-              <a:t>12/6/2023</a:t>
+              <a:t>12/7/2023</a:t>
             </a:fld>
             <a:endParaRPr lang="en-US"/>
           </a:p>
@@ -5023,7 +5028,7 @@
           <a:p>
             <a:fld id="{5BD83879-648C-49A9-81A2-0EF5946532D0}" type="datetime1">
               <a:rPr lang="en-US" smtClean="0"/>
-              <a:t>12/6/2023</a:t>
+              <a:t>12/7/2023</a:t>
             </a:fld>
             <a:endParaRPr lang="en-US"/>
           </a:p>
@@ -5221,7 +5226,7 @@
           <a:p>
             <a:fld id="{D04BC802-30E3-4658-9CCA-F873646FEC67}" type="datetime1">
               <a:rPr lang="en-US" smtClean="0"/>
-              <a:t>12/6/2023</a:t>
+              <a:t>12/7/2023</a:t>
             </a:fld>
             <a:endParaRPr lang="en-US"/>
           </a:p>
@@ -5499,7 +5504,7 @@
           <a:p>
             <a:fld id="{0AB227A3-19CE-4153-81CE-64EB7AB094B3}" type="datetime1">
               <a:rPr lang="en-US" smtClean="0"/>
-              <a:t>12/6/2023</a:t>
+              <a:t>12/7/2023</a:t>
             </a:fld>
             <a:endParaRPr lang="en-US"/>
           </a:p>
@@ -5766,7 +5771,7 @@
           <a:p>
             <a:fld id="{B819A100-10F6-477E-8847-29D479EF1C92}" type="datetime1">
               <a:rPr lang="en-US" smtClean="0"/>
-              <a:t>12/6/2023</a:t>
+              <a:t>12/7/2023</a:t>
             </a:fld>
             <a:endParaRPr lang="en-US"/>
           </a:p>
@@ -6180,7 +6185,7 @@
           <a:p>
             <a:fld id="{5DF128AB-198A-495F-8475-FDB360C9873F}" type="datetime1">
               <a:rPr lang="en-US" smtClean="0"/>
-              <a:t>12/6/2023</a:t>
+              <a:t>12/7/2023</a:t>
             </a:fld>
             <a:endParaRPr lang="en-US"/>
           </a:p>
@@ -6321,7 +6326,7 @@
           <a:p>
             <a:fld id="{021A235E-F8FD-479F-9FC7-18BE84110877}" type="datetime1">
               <a:rPr lang="en-US" smtClean="0"/>
-              <a:t>12/6/2023</a:t>
+              <a:t>12/7/2023</a:t>
             </a:fld>
             <a:endParaRPr lang="en-US"/>
           </a:p>
@@ -6434,7 +6439,7 @@
           <a:p>
             <a:fld id="{E890F09B-68DA-462E-9DB4-4C9ADAB8CBCC}" type="datetime1">
               <a:rPr lang="en-US" smtClean="0"/>
-              <a:t>12/6/2023</a:t>
+              <a:t>12/7/2023</a:t>
             </a:fld>
             <a:endParaRPr lang="en-US"/>
           </a:p>
@@ -6753,7 +6758,7 @@
           <a:p>
             <a:fld id="{17AC4E36-FABE-47EB-AA7F-C19A93824617}" type="datetime1">
               <a:rPr lang="en-US" smtClean="0"/>
-              <a:t>12/6/2023</a:t>
+              <a:t>12/7/2023</a:t>
             </a:fld>
             <a:endParaRPr lang="en-US"/>
           </a:p>
@@ -7050,7 +7055,7 @@
           <a:p>
             <a:fld id="{F199CE6B-5DE6-4A2D-B72E-5E8969F9F56F}" type="datetime1">
               <a:rPr lang="en-US" smtClean="0"/>
-              <a:t>12/6/2023</a:t>
+              <a:t>12/7/2023</a:t>
             </a:fld>
             <a:endParaRPr lang="en-US"/>
           </a:p>
@@ -7908,7 +7913,7 @@
           <a:p>
             <a:fld id="{F481A142-DA77-4A5F-AD1F-14E6C18F0F5F}" type="datetime1">
               <a:rPr lang="en-US" smtClean="0"/>
-              <a:t>12/6/2023</a:t>
+              <a:t>12/7/2023</a:t>
             </a:fld>
             <a:endParaRPr lang="en-US" dirty="0"/>
           </a:p>
@@ -12396,7 +12401,7 @@
         </p:spPr>
         <p:txBody>
           <a:bodyPr vert="horz" lIns="91440" tIns="45720" rIns="91440" bIns="45720" rtlCol="0" anchor="b">
-            <a:normAutofit fontScale="92500"/>
+            <a:normAutofit/>
           </a:bodyPr>
           <a:lstStyle>
             <a:lvl1pPr algn="l" defTabSz="914400" rtl="0" eaLnBrk="1" latinLnBrk="0" hangingPunct="1">
@@ -12420,17 +12425,17 @@
           <a:p>
             <a:r>
               <a:rPr lang="en-US" dirty="0"/>
-              <a:t>Demo – New user contact status updated</a:t>
+              <a:t>Demo – Approval Override by Admin</a:t>
             </a:r>
           </a:p>
         </p:txBody>
       </p:sp>
       <p:sp>
         <p:nvSpPr>
-          <p:cNvPr id="3" name="TextBox 2">
+          <p:cNvPr id="14" name="TextBox 13">
             <a:extLst>
               <a:ext uri="{FF2B5EF4-FFF2-40B4-BE49-F238E27FC236}">
-                <a16:creationId xmlns:a16="http://schemas.microsoft.com/office/drawing/2014/main" id="{CF959C3A-45B3-713C-EA14-32844E04A9DF}"/>
+                <a16:creationId xmlns:a16="http://schemas.microsoft.com/office/drawing/2014/main" id="{D99F10AD-D45A-BC3F-4DF6-BC4DF8F239BA}"/>
               </a:ext>
             </a:extLst>
           </p:cNvPr>
@@ -12439,8 +12444,8 @@
         </p:nvSpPr>
         <p:spPr>
           <a:xfrm>
-            <a:off x="211229" y="1639666"/>
-            <a:ext cx="10863171" cy="1070871"/>
+            <a:off x="6081486" y="1639666"/>
+            <a:ext cx="6110514" cy="375552"/>
           </a:xfrm>
           <a:prstGeom prst="rect">
             <a:avLst/>
@@ -12453,6 +12458,59 @@
           </a:bodyPr>
           <a:lstStyle/>
           <a:p>
+            <a:pPr marL="800100" marR="0" lvl="1" indent="-342900" rtl="0">
+              <a:lnSpc>
+                <a:spcPct val="107000"/>
+              </a:lnSpc>
+              <a:spcBef>
+                <a:spcPts val="0"/>
+              </a:spcBef>
+              <a:spcAft>
+                <a:spcPts val="800"/>
+              </a:spcAft>
+              <a:buFont typeface="+mj-lt"/>
+              <a:buAutoNum type="alphaLcPeriod" startAt="6"/>
+            </a:pPr>
+            <a:r>
+              <a:rPr lang="en-US" sz="1800" kern="100" dirty="0">
+                <a:effectLst/>
+                <a:latin typeface="Calibri" panose="020F0502020204030204" pitchFamily="34" charset="0"/>
+                <a:ea typeface="Calibri" panose="020F0502020204030204" pitchFamily="34" charset="0"/>
+                <a:cs typeface="Arial" panose="020B0604020202020204" pitchFamily="34" charset="0"/>
+              </a:rPr>
+              <a:t>Approval rejected by admin.</a:t>
+            </a:r>
+          </a:p>
+        </p:txBody>
+      </p:sp>
+      <p:sp>
+        <p:nvSpPr>
+          <p:cNvPr id="3" name="TextBox 2">
+            <a:extLst>
+              <a:ext uri="{FF2B5EF4-FFF2-40B4-BE49-F238E27FC236}">
+                <a16:creationId xmlns:a16="http://schemas.microsoft.com/office/drawing/2014/main" id="{CF959C3A-45B3-713C-EA14-32844E04A9DF}"/>
+              </a:ext>
+            </a:extLst>
+          </p:cNvPr>
+          <p:cNvSpPr txBox="1"/>
+          <p:nvPr/>
+        </p:nvSpPr>
+        <p:spPr>
+          <a:xfrm>
+            <a:off x="211229" y="1639666"/>
+            <a:ext cx="5722563" cy="1561005"/>
+          </a:xfrm>
+          <a:prstGeom prst="rect">
+            <a:avLst/>
+          </a:prstGeom>
+          <a:noFill/>
+        </p:spPr>
+        <p:txBody>
+          <a:bodyPr wrap="square">
+            <a:spAutoFit/>
+          </a:bodyPr>
+          <a:lstStyle/>
+          <a:p>
             <a:pPr marL="800100" lvl="1" indent="-342900">
               <a:lnSpc>
                 <a:spcPct val="107000"/>
@@ -12470,7 +12528,7 @@
                 <a:ea typeface="Calibri" panose="020F0502020204030204" pitchFamily="34" charset="0"/>
                 <a:cs typeface="Arial" panose="020B0604020202020204" pitchFamily="34" charset="0"/>
               </a:rPr>
-              <a:t>When the new user views it as seen in the figure below, the status would have changed from </a:t>
+              <a:t>Admin will be able to review approval, view details, edit or delete contact to demonstrate their different access rights. In this case he decides to </a:t>
             </a:r>
             <a:r>
               <a:rPr lang="en-US" sz="1800" b="1" kern="100" dirty="0">
@@ -12479,7 +12537,7 @@
                 <a:ea typeface="Calibri" panose="020F0502020204030204" pitchFamily="34" charset="0"/>
                 <a:cs typeface="Arial" panose="020B0604020202020204" pitchFamily="34" charset="0"/>
               </a:rPr>
-              <a:t>Approved &gt; Rejected</a:t>
+              <a:t>override</a:t>
             </a:r>
             <a:r>
               <a:rPr lang="en-US" sz="1800" kern="100" dirty="0">
@@ -12488,35 +12546,35 @@
                 <a:ea typeface="Calibri" panose="020F0502020204030204" pitchFamily="34" charset="0"/>
                 <a:cs typeface="Arial" panose="020B0604020202020204" pitchFamily="34" charset="0"/>
               </a:rPr>
-              <a:t>.</a:t>
-            </a:r>
-          </a:p>
-          <a:p>
-            <a:pPr marL="800100" lvl="1" indent="-342900">
-              <a:lnSpc>
-                <a:spcPct val="107000"/>
-              </a:lnSpc>
-              <a:spcAft>
-                <a:spcPts val="800"/>
-              </a:spcAft>
-              <a:buFont typeface="+mj-lt"/>
-              <a:buAutoNum type="alphaLcPeriod" startAt="5"/>
-            </a:pPr>
-            <a:endParaRPr lang="en-US" sz="1800" kern="100" dirty="0">
-              <a:effectLst/>
-              <a:latin typeface="Calibri" panose="020F0502020204030204" pitchFamily="34" charset="0"/>
-              <a:ea typeface="Calibri" panose="020F0502020204030204" pitchFamily="34" charset="0"/>
-              <a:cs typeface="Arial" panose="020B0604020202020204" pitchFamily="34" charset="0"/>
-            </a:endParaRPr>
+              <a:t> the manager’s approval and </a:t>
+            </a:r>
+            <a:r>
+              <a:rPr lang="en-US" sz="1800" b="1" kern="100" dirty="0">
+                <a:effectLst/>
+                <a:latin typeface="Calibri" panose="020F0502020204030204" pitchFamily="34" charset="0"/>
+                <a:ea typeface="Calibri" panose="020F0502020204030204" pitchFamily="34" charset="0"/>
+                <a:cs typeface="Arial" panose="020B0604020202020204" pitchFamily="34" charset="0"/>
+              </a:rPr>
+              <a:t>reject</a:t>
+            </a:r>
+            <a:r>
+              <a:rPr lang="en-US" sz="1800" kern="100" dirty="0">
+                <a:effectLst/>
+                <a:latin typeface="Calibri" panose="020F0502020204030204" pitchFamily="34" charset="0"/>
+                <a:ea typeface="Calibri" panose="020F0502020204030204" pitchFamily="34" charset="0"/>
+                <a:cs typeface="Arial" panose="020B0604020202020204" pitchFamily="34" charset="0"/>
+              </a:rPr>
+              <a:t> the contact.</a:t>
+            </a:r>
           </a:p>
         </p:txBody>
       </p:sp>
       <p:pic>
         <p:nvPicPr>
-          <p:cNvPr id="9" name="Picture 8" descr="A screenshot of a computer screen&#10;&#10;Description automatically generated">
+          <p:cNvPr id="2" name="Picture 1">
             <a:extLst>
               <a:ext uri="{FF2B5EF4-FFF2-40B4-BE49-F238E27FC236}">
-                <a16:creationId xmlns:a16="http://schemas.microsoft.com/office/drawing/2014/main" id="{AFF6015F-8852-F6EE-C792-139CCE071906}"/>
+                <a16:creationId xmlns:a16="http://schemas.microsoft.com/office/drawing/2014/main" id="{6D8FA706-EB25-39DF-A17A-1E999530B11B}"/>
               </a:ext>
             </a:extLst>
           </p:cNvPr>
@@ -12540,8 +12598,49 @@
         </p:blipFill>
         <p:spPr bwMode="auto">
           <a:xfrm>
-            <a:off x="3130357" y="2175100"/>
-            <a:ext cx="5883013" cy="3911727"/>
+            <a:off x="406239" y="3256639"/>
+            <a:ext cx="5722563" cy="3040742"/>
+          </a:xfrm>
+          <a:prstGeom prst="rect">
+            <a:avLst/>
+          </a:prstGeom>
+          <a:noFill/>
+          <a:ln>
+            <a:noFill/>
+          </a:ln>
+        </p:spPr>
+      </p:pic>
+      <p:pic>
+        <p:nvPicPr>
+          <p:cNvPr id="8" name="Picture 7">
+            <a:extLst>
+              <a:ext uri="{FF2B5EF4-FFF2-40B4-BE49-F238E27FC236}">
+                <a16:creationId xmlns:a16="http://schemas.microsoft.com/office/drawing/2014/main" id="{7F056B73-5F38-3D29-1A44-1631FCBF5208}"/>
+              </a:ext>
+            </a:extLst>
+          </p:cNvPr>
+          <p:cNvPicPr>
+            <a:picLocks noChangeAspect="1"/>
+          </p:cNvPicPr>
+          <p:nvPr/>
+        </p:nvPicPr>
+        <p:blipFill>
+          <a:blip r:embed="rId3" cstate="print">
+            <a:extLst>
+              <a:ext uri="{28A0092B-C50C-407E-A947-70E740481C1C}">
+                <a14:useLocalDpi xmlns:a14="http://schemas.microsoft.com/office/drawing/2010/main" val="0"/>
+              </a:ext>
+            </a:extLst>
+          </a:blip>
+          <a:srcRect/>
+          <a:stretch>
+            <a:fillRect/>
+          </a:stretch>
+        </p:blipFill>
+        <p:spPr bwMode="auto">
+          <a:xfrm>
+            <a:off x="6752907" y="2420168"/>
+            <a:ext cx="4800465" cy="3631055"/>
           </a:xfrm>
           <a:prstGeom prst="rect">
             <a:avLst/>
@@ -12555,7 +12654,7 @@
     </p:spTree>
     <p:extLst>
       <p:ext uri="{BB962C8B-B14F-4D97-AF65-F5344CB8AC3E}">
-        <p14:creationId xmlns:p14="http://schemas.microsoft.com/office/powerpoint/2010/main" val="782872854"/>
+        <p14:creationId xmlns:p14="http://schemas.microsoft.com/office/powerpoint/2010/main" val="986986863"/>
       </p:ext>
     </p:extLst>
   </p:cSld>
@@ -13149,7 +13248,7 @@
         </p:spPr>
         <p:txBody>
           <a:bodyPr vert="horz" lIns="91440" tIns="45720" rIns="91440" bIns="45720" rtlCol="0" anchor="b">
-            <a:normAutofit/>
+            <a:normAutofit fontScale="92500"/>
           </a:bodyPr>
           <a:lstStyle>
             <a:lvl1pPr algn="l" defTabSz="914400" rtl="0" eaLnBrk="1" latinLnBrk="0" hangingPunct="1">
@@ -13173,17 +13272,17 @@
           <a:p>
             <a:r>
               <a:rPr lang="en-US" dirty="0"/>
-              <a:t>Demo – Approval Override by Admin</a:t>
+              <a:t>Demo – New user contact status updated</a:t>
             </a:r>
           </a:p>
         </p:txBody>
       </p:sp>
       <p:sp>
         <p:nvSpPr>
-          <p:cNvPr id="14" name="TextBox 13">
+          <p:cNvPr id="3" name="TextBox 2">
             <a:extLst>
               <a:ext uri="{FF2B5EF4-FFF2-40B4-BE49-F238E27FC236}">
-                <a16:creationId xmlns:a16="http://schemas.microsoft.com/office/drawing/2014/main" id="{D99F10AD-D45A-BC3F-4DF6-BC4DF8F239BA}"/>
+                <a16:creationId xmlns:a16="http://schemas.microsoft.com/office/drawing/2014/main" id="{CF959C3A-45B3-713C-EA14-32844E04A9DF}"/>
               </a:ext>
             </a:extLst>
           </p:cNvPr>
@@ -13192,8 +13291,8 @@
         </p:nvSpPr>
         <p:spPr>
           <a:xfrm>
-            <a:off x="6081486" y="1639666"/>
-            <a:ext cx="6110514" cy="375552"/>
+            <a:off x="211229" y="1639666"/>
+            <a:ext cx="10863171" cy="1070871"/>
           </a:xfrm>
           <a:prstGeom prst="rect">
             <a:avLst/>
@@ -13206,59 +13305,6 @@
           </a:bodyPr>
           <a:lstStyle/>
           <a:p>
-            <a:pPr marL="800100" marR="0" lvl="1" indent="-342900" rtl="0">
-              <a:lnSpc>
-                <a:spcPct val="107000"/>
-              </a:lnSpc>
-              <a:spcBef>
-                <a:spcPts val="0"/>
-              </a:spcBef>
-              <a:spcAft>
-                <a:spcPts val="800"/>
-              </a:spcAft>
-              <a:buFont typeface="+mj-lt"/>
-              <a:buAutoNum type="alphaLcPeriod" startAt="6"/>
-            </a:pPr>
-            <a:r>
-              <a:rPr lang="en-US" sz="1800" kern="100" dirty="0">
-                <a:effectLst/>
-                <a:latin typeface="Calibri" panose="020F0502020204030204" pitchFamily="34" charset="0"/>
-                <a:ea typeface="Calibri" panose="020F0502020204030204" pitchFamily="34" charset="0"/>
-                <a:cs typeface="Arial" panose="020B0604020202020204" pitchFamily="34" charset="0"/>
-              </a:rPr>
-              <a:t>Approval rejected by admin.</a:t>
-            </a:r>
-          </a:p>
-        </p:txBody>
-      </p:sp>
-      <p:sp>
-        <p:nvSpPr>
-          <p:cNvPr id="3" name="TextBox 2">
-            <a:extLst>
-              <a:ext uri="{FF2B5EF4-FFF2-40B4-BE49-F238E27FC236}">
-                <a16:creationId xmlns:a16="http://schemas.microsoft.com/office/drawing/2014/main" id="{CF959C3A-45B3-713C-EA14-32844E04A9DF}"/>
-              </a:ext>
-            </a:extLst>
-          </p:cNvPr>
-          <p:cNvSpPr txBox="1"/>
-          <p:nvPr/>
-        </p:nvSpPr>
-        <p:spPr>
-          <a:xfrm>
-            <a:off x="211229" y="1639666"/>
-            <a:ext cx="5722563" cy="1561005"/>
-          </a:xfrm>
-          <a:prstGeom prst="rect">
-            <a:avLst/>
-          </a:prstGeom>
-          <a:noFill/>
-        </p:spPr>
-        <p:txBody>
-          <a:bodyPr wrap="square">
-            <a:spAutoFit/>
-          </a:bodyPr>
-          <a:lstStyle/>
-          <a:p>
             <a:pPr marL="800100" lvl="1" indent="-342900">
               <a:lnSpc>
                 <a:spcPct val="107000"/>
@@ -13276,7 +13322,7 @@
                 <a:ea typeface="Calibri" panose="020F0502020204030204" pitchFamily="34" charset="0"/>
                 <a:cs typeface="Arial" panose="020B0604020202020204" pitchFamily="34" charset="0"/>
               </a:rPr>
-              <a:t>Admin will be able to review approval, view details, edit or delete contact to demonstrate their different access rights. In this case he decides to </a:t>
+              <a:t>When the new user views it as seen in the figure below, the status would have changed from </a:t>
             </a:r>
             <a:r>
               <a:rPr lang="en-US" sz="1800" b="1" kern="100" dirty="0">
@@ -13285,7 +13331,7 @@
                 <a:ea typeface="Calibri" panose="020F0502020204030204" pitchFamily="34" charset="0"/>
                 <a:cs typeface="Arial" panose="020B0604020202020204" pitchFamily="34" charset="0"/>
               </a:rPr>
-              <a:t>override</a:t>
+              <a:t>Approved &gt; Rejected</a:t>
             </a:r>
             <a:r>
               <a:rPr lang="en-US" sz="1800" kern="100" dirty="0">
@@ -13294,35 +13340,35 @@
                 <a:ea typeface="Calibri" panose="020F0502020204030204" pitchFamily="34" charset="0"/>
                 <a:cs typeface="Arial" panose="020B0604020202020204" pitchFamily="34" charset="0"/>
               </a:rPr>
-              <a:t> the manager’s approval and </a:t>
-            </a:r>
-            <a:r>
-              <a:rPr lang="en-US" sz="1800" b="1" kern="100" dirty="0">
-                <a:effectLst/>
-                <a:latin typeface="Calibri" panose="020F0502020204030204" pitchFamily="34" charset="0"/>
-                <a:ea typeface="Calibri" panose="020F0502020204030204" pitchFamily="34" charset="0"/>
-                <a:cs typeface="Arial" panose="020B0604020202020204" pitchFamily="34" charset="0"/>
-              </a:rPr>
-              <a:t>reject</a:t>
-            </a:r>
-            <a:r>
-              <a:rPr lang="en-US" sz="1800" kern="100" dirty="0">
-                <a:effectLst/>
-                <a:latin typeface="Calibri" panose="020F0502020204030204" pitchFamily="34" charset="0"/>
-                <a:ea typeface="Calibri" panose="020F0502020204030204" pitchFamily="34" charset="0"/>
-                <a:cs typeface="Arial" panose="020B0604020202020204" pitchFamily="34" charset="0"/>
-              </a:rPr>
-              <a:t> the contact.</a:t>
-            </a:r>
+              <a:t>.</a:t>
+            </a:r>
+          </a:p>
+          <a:p>
+            <a:pPr marL="800100" lvl="1" indent="-342900">
+              <a:lnSpc>
+                <a:spcPct val="107000"/>
+              </a:lnSpc>
+              <a:spcAft>
+                <a:spcPts val="800"/>
+              </a:spcAft>
+              <a:buFont typeface="+mj-lt"/>
+              <a:buAutoNum type="alphaLcPeriod" startAt="5"/>
+            </a:pPr>
+            <a:endParaRPr lang="en-US" sz="1800" kern="100" dirty="0">
+              <a:effectLst/>
+              <a:latin typeface="Calibri" panose="020F0502020204030204" pitchFamily="34" charset="0"/>
+              <a:ea typeface="Calibri" panose="020F0502020204030204" pitchFamily="34" charset="0"/>
+              <a:cs typeface="Arial" panose="020B0604020202020204" pitchFamily="34" charset="0"/>
+            </a:endParaRPr>
           </a:p>
         </p:txBody>
       </p:sp>
       <p:pic>
         <p:nvPicPr>
-          <p:cNvPr id="2" name="Picture 1">
+          <p:cNvPr id="9" name="Picture 8" descr="A screenshot of a computer screen&#10;&#10;Description automatically generated">
             <a:extLst>
               <a:ext uri="{FF2B5EF4-FFF2-40B4-BE49-F238E27FC236}">
-                <a16:creationId xmlns:a16="http://schemas.microsoft.com/office/drawing/2014/main" id="{6D8FA706-EB25-39DF-A17A-1E999530B11B}"/>
+                <a16:creationId xmlns:a16="http://schemas.microsoft.com/office/drawing/2014/main" id="{AFF6015F-8852-F6EE-C792-139CCE071906}"/>
               </a:ext>
             </a:extLst>
           </p:cNvPr>
@@ -13346,49 +13392,8 @@
         </p:blipFill>
         <p:spPr bwMode="auto">
           <a:xfrm>
-            <a:off x="406239" y="3256639"/>
-            <a:ext cx="5722563" cy="3040742"/>
-          </a:xfrm>
-          <a:prstGeom prst="rect">
-            <a:avLst/>
-          </a:prstGeom>
-          <a:noFill/>
-          <a:ln>
-            <a:noFill/>
-          </a:ln>
-        </p:spPr>
-      </p:pic>
-      <p:pic>
-        <p:nvPicPr>
-          <p:cNvPr id="8" name="Picture 7">
-            <a:extLst>
-              <a:ext uri="{FF2B5EF4-FFF2-40B4-BE49-F238E27FC236}">
-                <a16:creationId xmlns:a16="http://schemas.microsoft.com/office/drawing/2014/main" id="{7F056B73-5F38-3D29-1A44-1631FCBF5208}"/>
-              </a:ext>
-            </a:extLst>
-          </p:cNvPr>
-          <p:cNvPicPr>
-            <a:picLocks noChangeAspect="1"/>
-          </p:cNvPicPr>
-          <p:nvPr/>
-        </p:nvPicPr>
-        <p:blipFill>
-          <a:blip r:embed="rId3" cstate="print">
-            <a:extLst>
-              <a:ext uri="{28A0092B-C50C-407E-A947-70E740481C1C}">
-                <a14:useLocalDpi xmlns:a14="http://schemas.microsoft.com/office/drawing/2010/main" val="0"/>
-              </a:ext>
-            </a:extLst>
-          </a:blip>
-          <a:srcRect/>
-          <a:stretch>
-            <a:fillRect/>
-          </a:stretch>
-        </p:blipFill>
-        <p:spPr bwMode="auto">
-          <a:xfrm>
-            <a:off x="6752907" y="2420168"/>
-            <a:ext cx="4800465" cy="3631055"/>
+            <a:off x="3130357" y="2175100"/>
+            <a:ext cx="5883013" cy="3911727"/>
           </a:xfrm>
           <a:prstGeom prst="rect">
             <a:avLst/>
@@ -13402,7 +13407,7 @@
     </p:spTree>
     <p:extLst>
       <p:ext uri="{BB962C8B-B14F-4D97-AF65-F5344CB8AC3E}">
-        <p14:creationId xmlns:p14="http://schemas.microsoft.com/office/powerpoint/2010/main" val="986986863"/>
+        <p14:creationId xmlns:p14="http://schemas.microsoft.com/office/powerpoint/2010/main" val="782872854"/>
       </p:ext>
     </p:extLst>
   </p:cSld>

--- a/Group 2 Presentation.pptx
+++ b/Group 2 Presentation.pptx
@@ -138,9 +138,122 @@
 <file path=ppt/revisionInfo.xml><?xml version="1.0" encoding="utf-8"?>
 <p1510:revInfo xmlns:a="http://schemas.openxmlformats.org/drawingml/2006/main" xmlns:r="http://schemas.openxmlformats.org/officeDocument/2006/relationships" xmlns:p1510="http://schemas.microsoft.com/office/powerpoint/2015/10/main">
   <p1510:revLst>
+    <p1510:client id="{C5771A91-3A94-4B6E-9D3D-42616FE85F61}" v="2" dt="2023-12-07T13:04:50.763"/>
     <p1510:client id="{FD9E28CD-9CE9-4E3D-B2A3-C794558A53BC}" v="57" dt="2023-12-06T21:27:30.614"/>
   </p1510:revLst>
 </p1510:revInfo>
+</file>
+
+<file path=ppt/changesInfos/changesInfo1.xml><?xml version="1.0" encoding="utf-8"?>
+<pc:chgInfo xmlns:a="http://schemas.openxmlformats.org/drawingml/2006/main" xmlns:r="http://schemas.openxmlformats.org/officeDocument/2006/relationships" xmlns:ac="http://schemas.microsoft.com/office/drawing/2013/main/command" xmlns:pc="http://schemas.microsoft.com/office/powerpoint/2013/main/command">
+  <pc:docChgLst>
+    <pc:chgData name="Habeeb Omotunde" userId="3c6bbb4b098569fe" providerId="LiveId" clId="{C5771A91-3A94-4B6E-9D3D-42616FE85F61}"/>
+    <pc:docChg chg="undo custSel modSld">
+      <pc:chgData name="Habeeb Omotunde" userId="3c6bbb4b098569fe" providerId="LiveId" clId="{C5771A91-3A94-4B6E-9D3D-42616FE85F61}" dt="2023-12-07T13:39:52.199" v="105" actId="20577"/>
+      <pc:docMkLst>
+        <pc:docMk/>
+      </pc:docMkLst>
+      <pc:sldChg chg="addSp delSp modSp mod">
+        <pc:chgData name="Habeeb Omotunde" userId="3c6bbb4b098569fe" providerId="LiveId" clId="{C5771A91-3A94-4B6E-9D3D-42616FE85F61}" dt="2023-12-07T13:04:50.763" v="7"/>
+        <pc:sldMkLst>
+          <pc:docMk/>
+          <pc:sldMk cId="1201276880" sldId="257"/>
+        </pc:sldMkLst>
+        <pc:spChg chg="add del mod">
+          <ac:chgData name="Habeeb Omotunde" userId="3c6bbb4b098569fe" providerId="LiveId" clId="{C5771A91-3A94-4B6E-9D3D-42616FE85F61}" dt="2023-12-07T13:04:50.098" v="6" actId="21"/>
+          <ac:spMkLst>
+            <pc:docMk/>
+            <pc:sldMk cId="1201276880" sldId="257"/>
+            <ac:spMk id="2" creationId="{CD46FBEC-D27F-C660-57E9-1F6052754E90}"/>
+          </ac:spMkLst>
+        </pc:spChg>
+        <pc:spChg chg="add del mod">
+          <ac:chgData name="Habeeb Omotunde" userId="3c6bbb4b098569fe" providerId="LiveId" clId="{C5771A91-3A94-4B6E-9D3D-42616FE85F61}" dt="2023-12-07T13:04:50.763" v="7"/>
+          <ac:spMkLst>
+            <pc:docMk/>
+            <pc:sldMk cId="1201276880" sldId="257"/>
+            <ac:spMk id="3" creationId="{072F9A2A-2307-5C1F-ADEE-49A99700BCBB}"/>
+          </ac:spMkLst>
+        </pc:spChg>
+      </pc:sldChg>
+      <pc:sldChg chg="modSp mod">
+        <pc:chgData name="Habeeb Omotunde" userId="3c6bbb4b098569fe" providerId="LiveId" clId="{C5771A91-3A94-4B6E-9D3D-42616FE85F61}" dt="2023-12-07T13:13:14.830" v="21" actId="20577"/>
+        <pc:sldMkLst>
+          <pc:docMk/>
+          <pc:sldMk cId="2048617516" sldId="262"/>
+        </pc:sldMkLst>
+        <pc:spChg chg="mod">
+          <ac:chgData name="Habeeb Omotunde" userId="3c6bbb4b098569fe" providerId="LiveId" clId="{C5771A91-3A94-4B6E-9D3D-42616FE85F61}" dt="2023-12-07T13:13:14.830" v="21" actId="20577"/>
+          <ac:spMkLst>
+            <pc:docMk/>
+            <pc:sldMk cId="2048617516" sldId="262"/>
+            <ac:spMk id="7" creationId="{9DF360A0-D561-1663-B347-E55711B1D568}"/>
+          </ac:spMkLst>
+        </pc:spChg>
+      </pc:sldChg>
+      <pc:sldChg chg="modSp mod">
+        <pc:chgData name="Habeeb Omotunde" userId="3c6bbb4b098569fe" providerId="LiveId" clId="{C5771A91-3A94-4B6E-9D3D-42616FE85F61}" dt="2023-12-07T13:16:03.927" v="23" actId="20577"/>
+        <pc:sldMkLst>
+          <pc:docMk/>
+          <pc:sldMk cId="1475324917" sldId="263"/>
+        </pc:sldMkLst>
+        <pc:spChg chg="mod">
+          <ac:chgData name="Habeeb Omotunde" userId="3c6bbb4b098569fe" providerId="LiveId" clId="{C5771A91-3A94-4B6E-9D3D-42616FE85F61}" dt="2023-12-07T13:16:03.927" v="23" actId="20577"/>
+          <ac:spMkLst>
+            <pc:docMk/>
+            <pc:sldMk cId="1475324917" sldId="263"/>
+            <ac:spMk id="6" creationId="{C415A928-7E99-78F8-366D-F685ED8D484C}"/>
+          </ac:spMkLst>
+        </pc:spChg>
+      </pc:sldChg>
+      <pc:sldChg chg="modSp mod">
+        <pc:chgData name="Habeeb Omotunde" userId="3c6bbb4b098569fe" providerId="LiveId" clId="{C5771A91-3A94-4B6E-9D3D-42616FE85F61}" dt="2023-12-07T13:30:34.794" v="53" actId="20577"/>
+        <pc:sldMkLst>
+          <pc:docMk/>
+          <pc:sldMk cId="2591794374" sldId="265"/>
+        </pc:sldMkLst>
+        <pc:spChg chg="mod">
+          <ac:chgData name="Habeeb Omotunde" userId="3c6bbb4b098569fe" providerId="LiveId" clId="{C5771A91-3A94-4B6E-9D3D-42616FE85F61}" dt="2023-12-07T13:30:34.794" v="53" actId="20577"/>
+          <ac:spMkLst>
+            <pc:docMk/>
+            <pc:sldMk cId="2591794374" sldId="265"/>
+            <ac:spMk id="4" creationId="{3A9BC394-DC16-7692-1FEE-D157571D17D2}"/>
+          </ac:spMkLst>
+        </pc:spChg>
+      </pc:sldChg>
+      <pc:sldChg chg="modSp mod">
+        <pc:chgData name="Habeeb Omotunde" userId="3c6bbb4b098569fe" providerId="LiveId" clId="{C5771A91-3A94-4B6E-9D3D-42616FE85F61}" dt="2023-12-07T13:34:17.642" v="94" actId="1076"/>
+        <pc:sldMkLst>
+          <pc:docMk/>
+          <pc:sldMk cId="3170250637" sldId="267"/>
+        </pc:sldMkLst>
+        <pc:spChg chg="mod">
+          <ac:chgData name="Habeeb Omotunde" userId="3c6bbb4b098569fe" providerId="LiveId" clId="{C5771A91-3A94-4B6E-9D3D-42616FE85F61}" dt="2023-12-07T13:34:17.642" v="94" actId="1076"/>
+          <ac:spMkLst>
+            <pc:docMk/>
+            <pc:sldMk cId="3170250637" sldId="267"/>
+            <ac:spMk id="8" creationId="{2F09A9BF-87DF-449B-3A7C-49ADC8065FD5}"/>
+          </ac:spMkLst>
+        </pc:spChg>
+      </pc:sldChg>
+      <pc:sldChg chg="modSp mod">
+        <pc:chgData name="Habeeb Omotunde" userId="3c6bbb4b098569fe" providerId="LiveId" clId="{C5771A91-3A94-4B6E-9D3D-42616FE85F61}" dt="2023-12-07T13:39:52.199" v="105" actId="20577"/>
+        <pc:sldMkLst>
+          <pc:docMk/>
+          <pc:sldMk cId="2453543825" sldId="268"/>
+        </pc:sldMkLst>
+        <pc:spChg chg="mod">
+          <ac:chgData name="Habeeb Omotunde" userId="3c6bbb4b098569fe" providerId="LiveId" clId="{C5771A91-3A94-4B6E-9D3D-42616FE85F61}" dt="2023-12-07T13:39:52.199" v="105" actId="20577"/>
+          <ac:spMkLst>
+            <pc:docMk/>
+            <pc:sldMk cId="2453543825" sldId="268"/>
+            <ac:spMk id="3" creationId="{C32BB8CE-08BF-43D0-C484-C1668EBB32BB}"/>
+          </ac:spMkLst>
+        </pc:spChg>
+      </pc:sldChg>
+    </pc:docChg>
+  </pc:docChgLst>
+</pc:chgInfo>
 </file>
 
 <file path=ppt/diagrams/colors1.xml><?xml version="1.0" encoding="utf-8"?>
@@ -9857,7 +9970,7 @@
                 <a:ea typeface="Calibri" panose="020F0502020204030204" pitchFamily="34" charset="0"/>
                 <a:cs typeface="Arial" panose="020B0604020202020204" pitchFamily="34" charset="0"/>
               </a:rPr>
-              <a:t> class. This is because when an identity is created it may belong to one or more roles.</a:t>
+              <a:t> class. This is because when a new user is created, it may belong to one or more roles.</a:t>
             </a:r>
             <a:r>
               <a:rPr lang="en-US" kern="100" dirty="0">
@@ -10216,7 +10329,7 @@
                 <a:latin typeface="Calibri" panose="020F0502020204030204" pitchFamily="34" charset="0"/>
                 <a:cs typeface="Arial" panose="020B0604020202020204" pitchFamily="34" charset="0"/>
               </a:rPr>
-              <a:t>Update database</a:t>
+              <a:t>update database</a:t>
             </a:r>
           </a:p>
         </p:txBody>
@@ -10739,7 +10852,7 @@
         <p:spPr>
           <a:xfrm>
             <a:off x="3278753" y="2354470"/>
-            <a:ext cx="6141019" cy="3693319"/>
+            <a:ext cx="6141019" cy="3970318"/>
           </a:xfrm>
           <a:prstGeom prst="rect">
             <a:avLst/>
@@ -10774,6 +10887,24 @@
                 <a:cs typeface="Arial" panose="020B0604020202020204" pitchFamily="34" charset="0"/>
               </a:rPr>
               <a:t>. The set of allowable operations in the Contact Manager App are configured in </a:t>
+            </a:r>
+            <a:r>
+              <a:rPr lang="en-US" sz="1800" dirty="0" err="1">
+                <a:effectLst/>
+                <a:latin typeface="Calibri" panose="020F0502020204030204" pitchFamily="34" charset="0"/>
+                <a:ea typeface="Calibri" panose="020F0502020204030204" pitchFamily="34" charset="0"/>
+                <a:cs typeface="Arial" panose="020B0604020202020204" pitchFamily="34" charset="0"/>
+              </a:rPr>
+              <a:t>ContactOperations</a:t>
+            </a:r>
+            <a:r>
+              <a:rPr lang="en-US" sz="1800" dirty="0">
+                <a:effectLst/>
+                <a:latin typeface="Calibri" panose="020F0502020204030204" pitchFamily="34" charset="0"/>
+                <a:ea typeface="Calibri" panose="020F0502020204030204" pitchFamily="34" charset="0"/>
+                <a:cs typeface="Arial" panose="020B0604020202020204" pitchFamily="34" charset="0"/>
+              </a:rPr>
+              <a:t> class under </a:t>
             </a:r>
             <a:r>
               <a:rPr lang="en-US" sz="1800" dirty="0" err="1">
@@ -11267,8 +11398,8 @@
         </p:nvSpPr>
         <p:spPr>
           <a:xfrm>
-            <a:off x="8614284" y="6308535"/>
-            <a:ext cx="1784463" cy="369332"/>
+            <a:off x="6892980" y="6339848"/>
+            <a:ext cx="5227072" cy="369332"/>
           </a:xfrm>
           <a:prstGeom prst="rect">
             <a:avLst/>
@@ -11286,7 +11417,7 @@
                 <a:latin typeface="Calibri" panose="020F0502020204030204" pitchFamily="34" charset="0"/>
                 <a:cs typeface="Arial" panose="020B0604020202020204" pitchFamily="34" charset="0"/>
               </a:rPr>
-              <a:t>Running the App</a:t>
+              <a:t>Running the App with server listening on port  53020</a:t>
             </a:r>
           </a:p>
         </p:txBody>
@@ -11407,9 +11538,10 @@
           <a:lstStyle/>
           <a:p>
             <a:r>
-              <a:rPr lang="en-US" dirty="0"/>
-              <a:t>Use cases</a:t>
-            </a:r>
+              <a:rPr lang="en-US"/>
+              <a:t>Scenarios</a:t>
+            </a:r>
+            <a:endParaRPr lang="en-US" dirty="0"/>
           </a:p>
           <a:p>
             <a:pPr marL="342900" indent="-342900">
